--- a/docs/Rules-algebra.pptx
+++ b/docs/Rules-algebra.pptx
@@ -20,7 +20,7 @@
     <p:sldId id="343" r:id="rId14"/>
     <p:sldId id="344" r:id="rId15"/>
     <p:sldId id="345" r:id="rId16"/>
-    <p:sldId id="346" r:id="rId17"/>
+    <p:sldId id="348" r:id="rId17"/>
     <p:sldId id="347" r:id="rId18"/>
     <p:sldId id="332" r:id="rId19"/>
   </p:sldIdLst>
@@ -141,7 +141,7 @@
             <p14:sldId id="343"/>
             <p14:sldId id="344"/>
             <p14:sldId id="345"/>
-            <p14:sldId id="346"/>
+            <p14:sldId id="348"/>
             <p14:sldId id="347"/>
             <p14:sldId id="332"/>
           </p14:sldIdLst>
@@ -4662,10 +4662,10 @@
       </p:sp>
       <p:pic>
         <p:nvPicPr>
-          <p:cNvPr id="3" name="Picture 2">
+          <p:cNvPr id="4" name="Picture 3">
             <a:extLst>
               <a:ext uri="{FF2B5EF4-FFF2-40B4-BE49-F238E27FC236}">
-                <a16:creationId xmlns:a16="http://schemas.microsoft.com/office/drawing/2014/main" id="{9B244A13-CB1E-433E-A523-186B88A0B37B}"/>
+                <a16:creationId xmlns:a16="http://schemas.microsoft.com/office/drawing/2014/main" id="{859E0447-F08A-4840-A361-B0D8170EB252}"/>
               </a:ext>
             </a:extLst>
           </p:cNvPr>
@@ -4682,13 +4682,12 @@
         </p:blipFill>
         <p:spPr>
           <a:xfrm>
-            <a:off x="1353940" y="1507815"/>
-            <a:ext cx="10653737" cy="4152609"/>
+            <a:off x="1360685" y="1826665"/>
+            <a:ext cx="10119753" cy="3641077"/>
           </a:xfrm>
           <a:prstGeom prst="rect">
             <a:avLst/>
           </a:prstGeom>
-          <a:noFill/>
         </p:spPr>
       </p:pic>
     </p:spTree>
@@ -4886,7 +4885,7 @@
           <a:p>
             <a:r>
               <a:rPr lang="en-US" dirty="0" err="1"/>
-              <a:t>useRulesProfunctor</a:t>
+              <a:t>useRulesLens</a:t>
             </a:r>
             <a:r>
               <a:rPr lang="en-US" dirty="0"/>
@@ -4897,10 +4896,10 @@
       </p:sp>
       <p:pic>
         <p:nvPicPr>
-          <p:cNvPr id="7" name="Picture 6">
+          <p:cNvPr id="8" name="Picture 7">
             <a:extLst>
               <a:ext uri="{FF2B5EF4-FFF2-40B4-BE49-F238E27FC236}">
-                <a16:creationId xmlns:a16="http://schemas.microsoft.com/office/drawing/2014/main" id="{4B640766-2696-41CD-9F9C-03C59A68529B}"/>
+                <a16:creationId xmlns:a16="http://schemas.microsoft.com/office/drawing/2014/main" id="{C02A205A-B5B1-4625-BF48-33E7E0AFE201}"/>
               </a:ext>
             </a:extLst>
           </p:cNvPr>
@@ -4917,8 +4916,8 @@
         </p:blipFill>
         <p:spPr>
           <a:xfrm>
-            <a:off x="990383" y="1668115"/>
-            <a:ext cx="6457950" cy="4381500"/>
+            <a:off x="990383" y="1687165"/>
+            <a:ext cx="5591175" cy="4362450"/>
           </a:xfrm>
           <a:prstGeom prst="rect">
             <a:avLst/>
@@ -4947,8 +4946,8 @@
         </p:blipFill>
         <p:spPr>
           <a:xfrm>
-            <a:off x="6096000" y="2315550"/>
-            <a:ext cx="5629275" cy="2733675"/>
+            <a:off x="6204857" y="2315550"/>
+            <a:ext cx="5371122" cy="2608311"/>
           </a:xfrm>
           <a:prstGeom prst="rect">
             <a:avLst/>
@@ -5009,30 +5008,19 @@
         </p:nvSpPr>
         <p:spPr>
           <a:xfrm>
-            <a:off x="990383" y="830419"/>
+            <a:off x="990383" y="808385"/>
             <a:ext cx="10216019" cy="677396"/>
           </a:xfrm>
         </p:spPr>
         <p:txBody>
           <a:bodyPr>
-            <a:normAutofit fontScale="90000"/>
+            <a:normAutofit/>
           </a:bodyPr>
           <a:lstStyle/>
           <a:p>
             <a:r>
-              <a:rPr lang="en-US" dirty="0" err="1"/>
-              <a:t>useDirtyInfo</a:t>
-            </a:r>
-            <a:r>
               <a:rPr lang="en-US" dirty="0"/>
-              <a:t> </a:t>
-            </a:r>
-            <a:br>
-              <a:rPr lang="en-US" dirty="0"/>
-            </a:br>
-            <a:r>
-              <a:rPr lang="en-US" dirty="0"/>
-              <a:t>hook</a:t>
+              <a:t>Lens operations</a:t>
             </a:r>
           </a:p>
         </p:txBody>
@@ -5042,7 +5030,7 @@
           <p:cNvPr id="4" name="Picture 3">
             <a:extLst>
               <a:ext uri="{FF2B5EF4-FFF2-40B4-BE49-F238E27FC236}">
-                <a16:creationId xmlns:a16="http://schemas.microsoft.com/office/drawing/2014/main" id="{5E549BD7-ADDA-427F-8FE9-BB8DB7BEC90E}"/>
+                <a16:creationId xmlns:a16="http://schemas.microsoft.com/office/drawing/2014/main" id="{6809FC9B-B05B-4441-8D31-D118F85422B9}"/>
               </a:ext>
             </a:extLst>
           </p:cNvPr>
@@ -5059,8 +5047,38 @@
         </p:blipFill>
         <p:spPr>
           <a:xfrm>
-            <a:off x="3495675" y="781050"/>
-            <a:ext cx="8696325" cy="6076950"/>
+            <a:off x="1076131" y="1579088"/>
+            <a:ext cx="4279641" cy="4855123"/>
+          </a:xfrm>
+          <a:prstGeom prst="rect">
+            <a:avLst/>
+          </a:prstGeom>
+        </p:spPr>
+      </p:pic>
+      <p:pic>
+        <p:nvPicPr>
+          <p:cNvPr id="8" name="Picture 7">
+            <a:extLst>
+              <a:ext uri="{FF2B5EF4-FFF2-40B4-BE49-F238E27FC236}">
+                <a16:creationId xmlns:a16="http://schemas.microsoft.com/office/drawing/2014/main" id="{D3DAE664-A60C-45DD-AA90-F9405B699B9C}"/>
+              </a:ext>
+            </a:extLst>
+          </p:cNvPr>
+          <p:cNvPicPr>
+            <a:picLocks noChangeAspect="1"/>
+          </p:cNvPicPr>
+          <p:nvPr/>
+        </p:nvPicPr>
+        <p:blipFill>
+          <a:blip r:embed="rId3"/>
+          <a:stretch>
+            <a:fillRect/>
+          </a:stretch>
+        </p:blipFill>
+        <p:spPr>
+          <a:xfrm>
+            <a:off x="6214187" y="1061211"/>
+            <a:ext cx="5399590" cy="5582185"/>
           </a:xfrm>
           <a:prstGeom prst="rect">
             <a:avLst/>
@@ -5070,7 +5088,7 @@
     </p:spTree>
     <p:extLst>
       <p:ext uri="{BB962C8B-B14F-4D97-AF65-F5344CB8AC3E}">
-        <p14:creationId xmlns:p14="http://schemas.microsoft.com/office/powerpoint/2010/main" val="227481544"/>
+        <p14:creationId xmlns:p14="http://schemas.microsoft.com/office/powerpoint/2010/main" val="2454880956"/>
       </p:ext>
     </p:extLst>
   </p:cSld>
